--- a/project/6213 - Final Project - Final Slides.pptx
+++ b/project/6213 - Final Project - Final Slides.pptx
@@ -12101,8 +12101,8 @@
         </p:nvSpPr>
         <p:spPr>
           <a:xfrm>
-            <a:off x="1781454" y="4010363"/>
-            <a:ext cx="1681274" cy="523220"/>
+            <a:off x="1256951" y="4010363"/>
+            <a:ext cx="2776220" cy="523220"/>
           </a:xfrm>
           <a:prstGeom prst="rect">
             <a:avLst/>
@@ -12117,7 +12117,7 @@
           <a:p>
             <a:r>
               <a:rPr lang="en-US" dirty="0"/>
-              <a:t>HLS Power Report</a:t>
+              <a:t>HLS Design Utilization Report</a:t>
             </a:r>
           </a:p>
           <a:p>
@@ -12139,8 +12139,8 @@
         </p:nvSpPr>
         <p:spPr>
           <a:xfrm>
-            <a:off x="5783828" y="4010363"/>
-            <a:ext cx="1681274" cy="523220"/>
+            <a:off x="5110831" y="4010363"/>
+            <a:ext cx="2759748" cy="523220"/>
           </a:xfrm>
           <a:prstGeom prst="rect">
             <a:avLst/>
@@ -12155,7 +12155,7 @@
           <a:p>
             <a:r>
               <a:rPr lang="en-US" dirty="0"/>
-              <a:t>RTL Power Report</a:t>
+              <a:t>RTL Design Utilization Report</a:t>
             </a:r>
           </a:p>
           <a:p>
